--- a/作业/Networks/hw4_246458_池聪哲_group1.pptx
+++ b/作业/Networks/hw4_246458_池聪哲_group1.pptx
@@ -252,7 +252,7 @@
           <a:p>
             <a:fld id="{0F9B84EA-7D68-4D60-9CB1-D50884785D1C}" type="datetimeFigureOut">
               <a:rPr lang="zh-CN" altLang="en-US" smtClean="0"/>
-              <a:t>2024/11/2</a:t>
+              <a:t>2024/11/4</a:t>
             </a:fld>
             <a:endParaRPr lang="zh-CN" altLang="en-US"/>
           </a:p>
@@ -417,7 +417,7 @@
           <a:p>
             <a:fld id="{D787668D-28D2-4240-B660-D4F6D3BE165D}" type="datetimeFigureOut">
               <a:rPr kumimoji="1" lang="zh-CN" altLang="en-US" smtClean="0"/>
-              <a:t>2024/11/2</a:t>
+              <a:t>2024/11/4</a:t>
             </a:fld>
             <a:endParaRPr kumimoji="1" lang="zh-CN" altLang="en-US"/>
           </a:p>
@@ -1319,7 +1319,7 @@
           <a:p>
             <a:fld id="{4C3CE6D5-E2EA-824B-8DC7-3DD74734AC75}" type="datetime1">
               <a:rPr lang="zh-CN" altLang="en-US" smtClean="0"/>
-              <a:t>2024/11/2</a:t>
+              <a:t>2024/11/4</a:t>
             </a:fld>
             <a:endParaRPr lang="zh-CN" altLang="en-US"/>
           </a:p>
@@ -1573,7 +1573,7 @@
           <a:p>
             <a:fld id="{DF9EC972-05AF-7546-A222-7967CAF98863}" type="datetime1">
               <a:rPr lang="zh-CN" altLang="en-US" smtClean="0"/>
-              <a:t>2024/11/2</a:t>
+              <a:t>2024/11/4</a:t>
             </a:fld>
             <a:endParaRPr lang="zh-CN" altLang="en-US"/>
           </a:p>
@@ -2029,7 +2029,7 @@
           <a:p>
             <a:fld id="{D1525FE0-9350-B642-9C7A-D7479E8394D6}" type="datetime1">
               <a:rPr lang="zh-CN" altLang="en-US" smtClean="0"/>
-              <a:t>2024/11/2</a:t>
+              <a:t>2024/11/4</a:t>
             </a:fld>
             <a:endParaRPr lang="zh-CN" altLang="en-US"/>
           </a:p>
@@ -2616,7 +2616,7 @@
           <a:p>
             <a:fld id="{15FBC40A-955E-B04B-ADE9-AB2978DA1471}" type="datetime1">
               <a:rPr lang="zh-CN" altLang="en-US" smtClean="0"/>
-              <a:t>2024/11/2</a:t>
+              <a:t>2024/11/4</a:t>
             </a:fld>
             <a:endParaRPr lang="zh-CN" altLang="en-US"/>
           </a:p>
@@ -2956,7 +2956,7 @@
           <a:p>
             <a:fld id="{6566410E-F442-744C-82CD-2364F190D54D}" type="datetime1">
               <a:rPr lang="zh-CN" altLang="en-US" smtClean="0"/>
-              <a:t>2024/11/2</a:t>
+              <a:t>2024/11/4</a:t>
             </a:fld>
             <a:endParaRPr lang="zh-CN" altLang="en-US"/>
           </a:p>
@@ -3454,7 +3454,7 @@
           <a:p>
             <a:fld id="{2EAC7A0E-06AA-CC48-9C6B-FB553E683393}" type="datetime1">
               <a:rPr lang="zh-CN" altLang="en-US" smtClean="0"/>
-              <a:t>2024/11/2</a:t>
+              <a:t>2024/11/4</a:t>
             </a:fld>
             <a:endParaRPr lang="zh-CN" altLang="en-US"/>
           </a:p>
@@ -3858,7 +3858,7 @@
           <a:p>
             <a:fld id="{3C82173F-78C3-5448-B174-6E127F962766}" type="datetime1">
               <a:rPr lang="zh-CN" altLang="en-US" smtClean="0"/>
-              <a:t>2024/11/2</a:t>
+              <a:t>2024/11/4</a:t>
             </a:fld>
             <a:endParaRPr lang="zh-CN" altLang="en-US"/>
           </a:p>
@@ -4184,7 +4184,7 @@
           <a:p>
             <a:fld id="{550AEFA1-034F-F94D-8333-21F8AB3AA554}" type="datetime1">
               <a:rPr lang="zh-CN" altLang="en-US" smtClean="0"/>
-              <a:t>2024/11/2</a:t>
+              <a:t>2024/11/4</a:t>
             </a:fld>
             <a:endParaRPr lang="zh-CN" altLang="en-US"/>
           </a:p>
@@ -4555,7 +4555,7 @@
           <a:p>
             <a:fld id="{954DE879-D633-BB44-9A06-02173ABBEDC4}" type="datetime1">
               <a:rPr lang="zh-CN" altLang="en-US" smtClean="0"/>
-              <a:t>2024/11/2</a:t>
+              <a:t>2024/11/4</a:t>
             </a:fld>
             <a:endParaRPr lang="zh-CN" altLang="en-US"/>
           </a:p>
@@ -5057,7 +5057,7 @@
           <a:p>
             <a:fld id="{DC94D3F9-4942-5B44-9C8B-2E5F92242693}" type="datetime1">
               <a:rPr lang="zh-CN" altLang="en-US" smtClean="0"/>
-              <a:t>2024/11/2</a:t>
+              <a:t>2024/11/4</a:t>
             </a:fld>
             <a:endParaRPr lang="zh-CN" altLang="en-US"/>
           </a:p>
@@ -5312,7 +5312,7 @@
           <a:p>
             <a:fld id="{A740FB2E-E206-354C-8B4F-338B1E57AE81}" type="datetime1">
               <a:rPr lang="zh-CN" altLang="en-US" smtClean="0"/>
-              <a:t>2024/11/2</a:t>
+              <a:t>2024/11/4</a:t>
             </a:fld>
             <a:endParaRPr lang="zh-CN" altLang="en-US"/>
           </a:p>
@@ -5651,7 +5651,7 @@
           <a:p>
             <a:fld id="{940D1576-4FC6-8147-82B8-3AFAC3A193FF}" type="datetime1">
               <a:rPr lang="zh-CN" altLang="en-US" smtClean="0"/>
-              <a:t>2024/11/2</a:t>
+              <a:t>2024/11/4</a:t>
             </a:fld>
             <a:endParaRPr lang="zh-CN" altLang="en-US"/>
           </a:p>
@@ -6195,7 +6195,7 @@
           <a:p>
             <a:fld id="{4670D740-D6AC-7D47-8C1A-99A7DA3B2F58}" type="datetime1">
               <a:rPr lang="zh-CN" altLang="en-US" smtClean="0"/>
-              <a:t>2024/11/2</a:t>
+              <a:t>2024/11/4</a:t>
             </a:fld>
             <a:endParaRPr lang="zh-CN" altLang="en-US"/>
           </a:p>
@@ -6551,7 +6551,7 @@
           <a:p>
             <a:fld id="{6E91BAD1-5272-3E4E-A4D5-85E8DB921F36}" type="datetime1">
               <a:rPr lang="zh-CN" altLang="en-US" smtClean="0"/>
-              <a:t>2024/11/2</a:t>
+              <a:t>2024/11/4</a:t>
             </a:fld>
             <a:endParaRPr lang="zh-CN" altLang="en-US"/>
           </a:p>
@@ -6901,7 +6901,7 @@
           <a:p>
             <a:fld id="{60A8DE3B-58A5-DC4D-BF52-AA3B9B1B126A}" type="datetime1">
               <a:rPr lang="zh-CN" altLang="en-US" smtClean="0"/>
-              <a:t>2024/11/2</a:t>
+              <a:t>2024/11/4</a:t>
             </a:fld>
             <a:endParaRPr lang="zh-CN" altLang="en-US"/>
           </a:p>
@@ -7238,7 +7238,7 @@
           <a:p>
             <a:fld id="{4C02C8A4-4B3B-4D42-9166-B2B1A047DFBC}" type="datetime1">
               <a:rPr lang="zh-CN" altLang="en-US" smtClean="0"/>
-              <a:t>2024/11/2</a:t>
+              <a:t>2024/11/4</a:t>
             </a:fld>
             <a:endParaRPr lang="zh-CN" altLang="en-US"/>
           </a:p>
@@ -7863,7 +7863,7 @@
           <a:p>
             <a:fld id="{E93D4E9B-8F37-5243-9818-69E6B71DAC78}" type="datetime1">
               <a:rPr lang="zh-CN" altLang="en-US" smtClean="0"/>
-              <a:t>2024/11/2</a:t>
+              <a:t>2024/11/4</a:t>
             </a:fld>
             <a:endParaRPr lang="zh-CN" altLang="en-US"/>
           </a:p>
@@ -8241,7 +8241,7 @@
           <a:p>
             <a:fld id="{AF171F5B-0D8A-A642-B0EA-296B87C323B5}" type="datetime1">
               <a:rPr lang="zh-CN" altLang="en-US" smtClean="0"/>
-              <a:t>2024/11/2</a:t>
+              <a:t>2024/11/4</a:t>
             </a:fld>
             <a:endParaRPr lang="zh-CN" altLang="en-US"/>
           </a:p>
@@ -8607,7 +8607,7 @@
           <a:p>
             <a:fld id="{4CDE1BC5-6D44-6740-97D9-454351518BD2}" type="datetime1">
               <a:rPr lang="zh-CN" altLang="en-US" smtClean="0"/>
-              <a:t>2024/11/2</a:t>
+              <a:t>2024/11/4</a:t>
             </a:fld>
             <a:endParaRPr lang="zh-CN" altLang="en-US"/>
           </a:p>
@@ -8903,7 +8903,7 @@
           <a:p>
             <a:fld id="{BEF5D2FC-2E0B-E146-8633-90FB9C4DEF28}" type="datetime1">
               <a:rPr lang="zh-CN" altLang="en-US" smtClean="0"/>
-              <a:t>2024/11/2</a:t>
+              <a:t>2024/11/4</a:t>
             </a:fld>
             <a:endParaRPr lang="zh-CN" altLang="en-US"/>
           </a:p>
@@ -9308,7 +9308,7 @@
           <a:p>
             <a:fld id="{7EB1BD70-77B8-0A4E-B935-80020879DE99}" type="datetime1">
               <a:rPr lang="zh-CN" altLang="en-US" smtClean="0"/>
-              <a:t>2024/11/2</a:t>
+              <a:t>2024/11/4</a:t>
             </a:fld>
             <a:endParaRPr lang="zh-CN" altLang="en-US"/>
           </a:p>
@@ -9713,7 +9713,7 @@
           <a:p>
             <a:fld id="{70EC5DFD-295C-174D-8DF8-1F9FF625ECD9}" type="datetime1">
               <a:rPr lang="zh-CN" altLang="en-US" smtClean="0"/>
-              <a:t>2024/11/2</a:t>
+              <a:t>2024/11/4</a:t>
             </a:fld>
             <a:endParaRPr lang="zh-CN" altLang="en-US"/>
           </a:p>
@@ -10455,7 +10455,7 @@
           <a:p>
             <a:fld id="{940D1576-4FC6-8147-82B8-3AFAC3A193FF}" type="datetime1">
               <a:rPr lang="zh-CN" altLang="en-US" smtClean="0"/>
-              <a:t>2024/11/2</a:t>
+              <a:t>2024/11/4</a:t>
             </a:fld>
             <a:endParaRPr lang="zh-CN" altLang="en-US"/>
           </a:p>
@@ -10666,7 +10666,7 @@
           <a:p>
             <a:fld id="{AF171F5B-0D8A-A642-B0EA-296B87C323B5}" type="datetime1">
               <a:rPr lang="zh-CN" altLang="en-US" smtClean="0"/>
-              <a:t>2024/11/2</a:t>
+              <a:t>2024/11/4</a:t>
             </a:fld>
             <a:endParaRPr lang="zh-CN" altLang="en-US"/>
           </a:p>
@@ -11503,7 +11503,7 @@
           <a:p>
             <a:fld id="{940D1576-4FC6-8147-82B8-3AFAC3A193FF}" type="datetime1">
               <a:rPr lang="zh-CN" altLang="en-US" smtClean="0"/>
-              <a:t>2024/11/2</a:t>
+              <a:t>2024/11/4</a:t>
             </a:fld>
             <a:endParaRPr lang="zh-CN" altLang="en-US"/>
           </a:p>
@@ -11744,7 +11744,7 @@
           <a:p>
             <a:fld id="{AF171F5B-0D8A-A642-B0EA-296B87C323B5}" type="datetime1">
               <a:rPr lang="zh-CN" altLang="en-US" smtClean="0"/>
-              <a:t>2024/11/2</a:t>
+              <a:t>2024/11/4</a:t>
             </a:fld>
             <a:endParaRPr lang="zh-CN" altLang="en-US" dirty="0"/>
           </a:p>
@@ -12169,7 +12169,7 @@
           <a:p>
             <a:fld id="{940D1576-4FC6-8147-82B8-3AFAC3A193FF}" type="datetime1">
               <a:rPr lang="zh-CN" altLang="en-US" smtClean="0"/>
-              <a:t>2024/11/2</a:t>
+              <a:t>2024/11/4</a:t>
             </a:fld>
             <a:endParaRPr lang="zh-CN" altLang="en-US"/>
           </a:p>
@@ -12427,7 +12427,7 @@
           <a:p>
             <a:fld id="{AF171F5B-0D8A-A642-B0EA-296B87C323B5}" type="datetime1">
               <a:rPr lang="zh-CN" altLang="en-US" smtClean="0"/>
-              <a:t>2024/11/2</a:t>
+              <a:t>2024/11/4</a:t>
             </a:fld>
             <a:endParaRPr lang="zh-CN" altLang="en-US" dirty="0"/>
           </a:p>
@@ -12793,7 +12793,7 @@
           <a:p>
             <a:fld id="{940D1576-4FC6-8147-82B8-3AFAC3A193FF}" type="datetime1">
               <a:rPr lang="zh-CN" altLang="en-US" smtClean="0"/>
-              <a:t>2024/11/2</a:t>
+              <a:t>2024/11/4</a:t>
             </a:fld>
             <a:endParaRPr lang="zh-CN" altLang="en-US"/>
           </a:p>
@@ -12997,7 +12997,7 @@
           <a:p>
             <a:fld id="{AF171F5B-0D8A-A642-B0EA-296B87C323B5}" type="datetime1">
               <a:rPr lang="zh-CN" altLang="en-US" smtClean="0"/>
-              <a:t>2024/11/2</a:t>
+              <a:t>2024/11/4</a:t>
             </a:fld>
             <a:endParaRPr lang="zh-CN" altLang="en-US"/>
           </a:p>
@@ -13256,7 +13256,7 @@
           <a:p>
             <a:fld id="{AF171F5B-0D8A-A642-B0EA-296B87C323B5}" type="datetime1">
               <a:rPr lang="zh-CN" altLang="en-US" smtClean="0"/>
-              <a:t>2024/11/2</a:t>
+              <a:t>2024/11/4</a:t>
             </a:fld>
             <a:endParaRPr lang="zh-CN" altLang="en-US"/>
           </a:p>
@@ -13532,7 +13532,7 @@
           <a:p>
             <a:fld id="{AF171F5B-0D8A-A642-B0EA-296B87C323B5}" type="datetime1">
               <a:rPr lang="zh-CN" altLang="en-US" smtClean="0"/>
-              <a:t>2024/11/2</a:t>
+              <a:t>2024/11/4</a:t>
             </a:fld>
             <a:endParaRPr lang="zh-CN" altLang="en-US"/>
           </a:p>
